--- a/공유문서/수정요청/수정요청_1215_1030/화면점검_김영은.pptx
+++ b/공유문서/수정요청/수정요청_1215_1030/화면점검_김영은.pptx
@@ -289,14 +289,14 @@
           <a:effectLst/>
           <a:extLst>
             <a:ext uri="{909E8E84-426E-40DD-AFC4-6F175D3DCCD1}">
-              <a14:hiddenFill xmlns="" xmlns:a14="http://schemas.microsoft.com/office/drawing/2010/main">
+              <a14:hiddenFill xmlns:a14="http://schemas.microsoft.com/office/drawing/2010/main" xmlns="">
                 <a:solidFill>
                   <a:schemeClr val="accent1"/>
                 </a:solidFill>
               </a14:hiddenFill>
             </a:ext>
             <a:ext uri="{91240B29-F687-4F45-9708-019B960494DF}">
-              <a14:hiddenLine xmlns="" xmlns:a14="http://schemas.microsoft.com/office/drawing/2010/main" w="9525">
+              <a14:hiddenLine xmlns:a14="http://schemas.microsoft.com/office/drawing/2010/main" xmlns="" w="9525">
                 <a:solidFill>
                   <a:schemeClr val="tx1"/>
                 </a:solidFill>
@@ -306,7 +306,7 @@
               </a14:hiddenLine>
             </a:ext>
             <a:ext uri="{AF507438-7753-43E0-B8FC-AC1667EBCBE1}">
-              <a14:hiddenEffects xmlns="" xmlns:a14="http://schemas.microsoft.com/office/drawing/2010/main">
+              <a14:hiddenEffects xmlns:a14="http://schemas.microsoft.com/office/drawing/2010/main" xmlns="">
                 <a:effectLst>
                   <a:outerShdw dist="35921" dir="2700000" algn="ctr" rotWithShape="0">
                     <a:schemeClr val="bg2"/>
@@ -360,14 +360,14 @@
           <a:effectLst/>
           <a:extLst>
             <a:ext uri="{909E8E84-426E-40DD-AFC4-6F175D3DCCD1}">
-              <a14:hiddenFill xmlns="" xmlns:a14="http://schemas.microsoft.com/office/drawing/2010/main">
+              <a14:hiddenFill xmlns:a14="http://schemas.microsoft.com/office/drawing/2010/main" xmlns="">
                 <a:solidFill>
                   <a:schemeClr val="accent1"/>
                 </a:solidFill>
               </a14:hiddenFill>
             </a:ext>
             <a:ext uri="{91240B29-F687-4F45-9708-019B960494DF}">
-              <a14:hiddenLine xmlns="" xmlns:a14="http://schemas.microsoft.com/office/drawing/2010/main" w="9525">
+              <a14:hiddenLine xmlns:a14="http://schemas.microsoft.com/office/drawing/2010/main" xmlns="" w="9525">
                 <a:solidFill>
                   <a:schemeClr val="tx1"/>
                 </a:solidFill>
@@ -377,7 +377,7 @@
               </a14:hiddenLine>
             </a:ext>
             <a:ext uri="{AF507438-7753-43E0-B8FC-AC1667EBCBE1}">
-              <a14:hiddenEffects xmlns="" xmlns:a14="http://schemas.microsoft.com/office/drawing/2010/main">
+              <a14:hiddenEffects xmlns:a14="http://schemas.microsoft.com/office/drawing/2010/main" xmlns="">
                 <a:effectLst>
                   <a:outerShdw dist="35921" dir="2700000" algn="ctr" rotWithShape="0">
                     <a:schemeClr val="bg2"/>
@@ -431,14 +431,14 @@
           <a:effectLst/>
           <a:extLst>
             <a:ext uri="{909E8E84-426E-40DD-AFC4-6F175D3DCCD1}">
-              <a14:hiddenFill xmlns="" xmlns:a14="http://schemas.microsoft.com/office/drawing/2010/main">
+              <a14:hiddenFill xmlns:a14="http://schemas.microsoft.com/office/drawing/2010/main" xmlns="">
                 <a:solidFill>
                   <a:schemeClr val="accent1"/>
                 </a:solidFill>
               </a14:hiddenFill>
             </a:ext>
             <a:ext uri="{91240B29-F687-4F45-9708-019B960494DF}">
-              <a14:hiddenLine xmlns="" xmlns:a14="http://schemas.microsoft.com/office/drawing/2010/main" w="9525">
+              <a14:hiddenLine xmlns:a14="http://schemas.microsoft.com/office/drawing/2010/main" xmlns="" w="9525">
                 <a:solidFill>
                   <a:schemeClr val="tx1"/>
                 </a:solidFill>
@@ -448,7 +448,7 @@
               </a14:hiddenLine>
             </a:ext>
             <a:ext uri="{AF507438-7753-43E0-B8FC-AC1667EBCBE1}">
-              <a14:hiddenEffects xmlns="" xmlns:a14="http://schemas.microsoft.com/office/drawing/2010/main">
+              <a14:hiddenEffects xmlns:a14="http://schemas.microsoft.com/office/drawing/2010/main" xmlns="">
                 <a:effectLst>
                   <a:outerShdw dist="35921" dir="2700000" algn="ctr" rotWithShape="0">
                     <a:schemeClr val="bg2"/>
@@ -502,14 +502,14 @@
           <a:effectLst/>
           <a:extLst>
             <a:ext uri="{909E8E84-426E-40DD-AFC4-6F175D3DCCD1}">
-              <a14:hiddenFill xmlns="" xmlns:a14="http://schemas.microsoft.com/office/drawing/2010/main">
+              <a14:hiddenFill xmlns:a14="http://schemas.microsoft.com/office/drawing/2010/main" xmlns="">
                 <a:solidFill>
                   <a:schemeClr val="accent1"/>
                 </a:solidFill>
               </a14:hiddenFill>
             </a:ext>
             <a:ext uri="{91240B29-F687-4F45-9708-019B960494DF}">
-              <a14:hiddenLine xmlns="" xmlns:a14="http://schemas.microsoft.com/office/drawing/2010/main" w="9525">
+              <a14:hiddenLine xmlns:a14="http://schemas.microsoft.com/office/drawing/2010/main" xmlns="" w="9525">
                 <a:solidFill>
                   <a:schemeClr val="tx1"/>
                 </a:solidFill>
@@ -519,7 +519,7 @@
               </a14:hiddenLine>
             </a:ext>
             <a:ext uri="{AF507438-7753-43E0-B8FC-AC1667EBCBE1}">
-              <a14:hiddenEffects xmlns="" xmlns:a14="http://schemas.microsoft.com/office/drawing/2010/main">
+              <a14:hiddenEffects xmlns:a14="http://schemas.microsoft.com/office/drawing/2010/main" xmlns="">
                 <a:effectLst>
                   <a:outerShdw dist="35921" dir="2700000" algn="ctr" rotWithShape="0">
                     <a:schemeClr val="bg2"/>
@@ -556,7 +556,7 @@
     </p:spTree>
     <p:extLst>
       <p:ext uri="{BB962C8B-B14F-4D97-AF65-F5344CB8AC3E}">
-        <p14:creationId xmlns="" xmlns:p14="http://schemas.microsoft.com/office/powerpoint/2010/main" val="2069468955"/>
+        <p14:creationId xmlns:p14="http://schemas.microsoft.com/office/powerpoint/2010/main" xmlns="" val="2069468955"/>
       </p:ext>
     </p:extLst>
   </p:cSld>
@@ -614,14 +614,14 @@
           <a:effectLst/>
           <a:extLst>
             <a:ext uri="{909E8E84-426E-40DD-AFC4-6F175D3DCCD1}">
-              <a14:hiddenFill xmlns="" xmlns:a14="http://schemas.microsoft.com/office/drawing/2010/main">
+              <a14:hiddenFill xmlns:a14="http://schemas.microsoft.com/office/drawing/2010/main" xmlns="">
                 <a:solidFill>
                   <a:schemeClr val="accent1"/>
                 </a:solidFill>
               </a14:hiddenFill>
             </a:ext>
             <a:ext uri="{91240B29-F687-4F45-9708-019B960494DF}">
-              <a14:hiddenLine xmlns="" xmlns:a14="http://schemas.microsoft.com/office/drawing/2010/main" w="9525">
+              <a14:hiddenLine xmlns:a14="http://schemas.microsoft.com/office/drawing/2010/main" xmlns="" w="9525">
                 <a:solidFill>
                   <a:schemeClr val="tx1"/>
                 </a:solidFill>
@@ -631,7 +631,7 @@
               </a14:hiddenLine>
             </a:ext>
             <a:ext uri="{AF507438-7753-43E0-B8FC-AC1667EBCBE1}">
-              <a14:hiddenEffects xmlns="" xmlns:a14="http://schemas.microsoft.com/office/drawing/2010/main">
+              <a14:hiddenEffects xmlns:a14="http://schemas.microsoft.com/office/drawing/2010/main" xmlns="">
                 <a:effectLst>
                   <a:outerShdw dist="35921" dir="2700000" algn="ctr" rotWithShape="0">
                     <a:schemeClr val="bg2"/>
@@ -685,14 +685,14 @@
           <a:effectLst/>
           <a:extLst>
             <a:ext uri="{909E8E84-426E-40DD-AFC4-6F175D3DCCD1}">
-              <a14:hiddenFill xmlns="" xmlns:a14="http://schemas.microsoft.com/office/drawing/2010/main">
+              <a14:hiddenFill xmlns:a14="http://schemas.microsoft.com/office/drawing/2010/main" xmlns="">
                 <a:solidFill>
                   <a:schemeClr val="accent1"/>
                 </a:solidFill>
               </a14:hiddenFill>
             </a:ext>
             <a:ext uri="{91240B29-F687-4F45-9708-019B960494DF}">
-              <a14:hiddenLine xmlns="" xmlns:a14="http://schemas.microsoft.com/office/drawing/2010/main" w="9525">
+              <a14:hiddenLine xmlns:a14="http://schemas.microsoft.com/office/drawing/2010/main" xmlns="" w="9525">
                 <a:solidFill>
                   <a:schemeClr val="tx1"/>
                 </a:solidFill>
@@ -702,7 +702,7 @@
               </a14:hiddenLine>
             </a:ext>
             <a:ext uri="{AF507438-7753-43E0-B8FC-AC1667EBCBE1}">
-              <a14:hiddenEffects xmlns="" xmlns:a14="http://schemas.microsoft.com/office/drawing/2010/main">
+              <a14:hiddenEffects xmlns:a14="http://schemas.microsoft.com/office/drawing/2010/main" xmlns="">
                 <a:effectLst>
                   <a:outerShdw dist="35921" dir="2700000" algn="ctr" rotWithShape="0">
                     <a:schemeClr val="bg2"/>
@@ -761,7 +761,7 @@
           <a:effectLst/>
           <a:extLst>
             <a:ext uri="{AF507438-7753-43E0-B8FC-AC1667EBCBE1}">
-              <a14:hiddenEffects xmlns="" xmlns:a14="http://schemas.microsoft.com/office/drawing/2010/main">
+              <a14:hiddenEffects xmlns:a14="http://schemas.microsoft.com/office/drawing/2010/main" xmlns="">
                 <a:effectLst>
                   <a:outerShdw dist="35921" dir="2700000" algn="ctr" rotWithShape="0">
                     <a:srgbClr val="808080"/>
@@ -770,7 +770,7 @@
               </a14:hiddenEffects>
             </a:ext>
             <a:ext uri="{53640926-AAD7-44D8-BBD7-CCE9431645EC}">
-              <a14:shadowObscured xmlns="" xmlns:a14="http://schemas.microsoft.com/office/drawing/2010/main" val="1"/>
+              <a14:shadowObscured xmlns:a14="http://schemas.microsoft.com/office/drawing/2010/main" xmlns="" val="1"/>
             </a:ext>
           </a:extLst>
         </p:spPr>
@@ -800,14 +800,14 @@
           <a:effectLst/>
           <a:extLst>
             <a:ext uri="{909E8E84-426E-40DD-AFC4-6F175D3DCCD1}">
-              <a14:hiddenFill xmlns="" xmlns:a14="http://schemas.microsoft.com/office/drawing/2010/main">
+              <a14:hiddenFill xmlns:a14="http://schemas.microsoft.com/office/drawing/2010/main" xmlns="">
                 <a:solidFill>
                   <a:schemeClr val="accent1"/>
                 </a:solidFill>
               </a14:hiddenFill>
             </a:ext>
             <a:ext uri="{91240B29-F687-4F45-9708-019B960494DF}">
-              <a14:hiddenLine xmlns="" xmlns:a14="http://schemas.microsoft.com/office/drawing/2010/main" w="9525">
+              <a14:hiddenLine xmlns:a14="http://schemas.microsoft.com/office/drawing/2010/main" xmlns="" w="9525">
                 <a:solidFill>
                   <a:schemeClr val="tx1"/>
                 </a:solidFill>
@@ -817,7 +817,7 @@
               </a14:hiddenLine>
             </a:ext>
             <a:ext uri="{AF507438-7753-43E0-B8FC-AC1667EBCBE1}">
-              <a14:hiddenEffects xmlns="" xmlns:a14="http://schemas.microsoft.com/office/drawing/2010/main">
+              <a14:hiddenEffects xmlns:a14="http://schemas.microsoft.com/office/drawing/2010/main" xmlns="">
                 <a:effectLst>
                   <a:outerShdw dist="35921" dir="2700000" algn="ctr" rotWithShape="0">
                     <a:schemeClr val="bg2"/>
@@ -896,14 +896,14 @@
           <a:effectLst/>
           <a:extLst>
             <a:ext uri="{909E8E84-426E-40DD-AFC4-6F175D3DCCD1}">
-              <a14:hiddenFill xmlns="" xmlns:a14="http://schemas.microsoft.com/office/drawing/2010/main">
+              <a14:hiddenFill xmlns:a14="http://schemas.microsoft.com/office/drawing/2010/main" xmlns="">
                 <a:solidFill>
                   <a:schemeClr val="accent1"/>
                 </a:solidFill>
               </a14:hiddenFill>
             </a:ext>
             <a:ext uri="{91240B29-F687-4F45-9708-019B960494DF}">
-              <a14:hiddenLine xmlns="" xmlns:a14="http://schemas.microsoft.com/office/drawing/2010/main" w="9525">
+              <a14:hiddenLine xmlns:a14="http://schemas.microsoft.com/office/drawing/2010/main" xmlns="" w="9525">
                 <a:solidFill>
                   <a:schemeClr val="tx1"/>
                 </a:solidFill>
@@ -913,7 +913,7 @@
               </a14:hiddenLine>
             </a:ext>
             <a:ext uri="{AF507438-7753-43E0-B8FC-AC1667EBCBE1}">
-              <a14:hiddenEffects xmlns="" xmlns:a14="http://schemas.microsoft.com/office/drawing/2010/main">
+              <a14:hiddenEffects xmlns:a14="http://schemas.microsoft.com/office/drawing/2010/main" xmlns="">
                 <a:effectLst>
                   <a:outerShdw dist="35921" dir="2700000" algn="ctr" rotWithShape="0">
                     <a:schemeClr val="bg2"/>
@@ -967,14 +967,14 @@
           <a:effectLst/>
           <a:extLst>
             <a:ext uri="{909E8E84-426E-40DD-AFC4-6F175D3DCCD1}">
-              <a14:hiddenFill xmlns="" xmlns:a14="http://schemas.microsoft.com/office/drawing/2010/main">
+              <a14:hiddenFill xmlns:a14="http://schemas.microsoft.com/office/drawing/2010/main" xmlns="">
                 <a:solidFill>
                   <a:schemeClr val="accent1"/>
                 </a:solidFill>
               </a14:hiddenFill>
             </a:ext>
             <a:ext uri="{91240B29-F687-4F45-9708-019B960494DF}">
-              <a14:hiddenLine xmlns="" xmlns:a14="http://schemas.microsoft.com/office/drawing/2010/main" w="9525">
+              <a14:hiddenLine xmlns:a14="http://schemas.microsoft.com/office/drawing/2010/main" xmlns="" w="9525">
                 <a:solidFill>
                   <a:schemeClr val="tx1"/>
                 </a:solidFill>
@@ -984,7 +984,7 @@
               </a14:hiddenLine>
             </a:ext>
             <a:ext uri="{AF507438-7753-43E0-B8FC-AC1667EBCBE1}">
-              <a14:hiddenEffects xmlns="" xmlns:a14="http://schemas.microsoft.com/office/drawing/2010/main">
+              <a14:hiddenEffects xmlns:a14="http://schemas.microsoft.com/office/drawing/2010/main" xmlns="">
                 <a:effectLst>
                   <a:outerShdw dist="35921" dir="2700000" algn="ctr" rotWithShape="0">
                     <a:schemeClr val="bg2"/>
@@ -1021,7 +1021,7 @@
     </p:spTree>
     <p:extLst>
       <p:ext uri="{BB962C8B-B14F-4D97-AF65-F5344CB8AC3E}">
-        <p14:creationId xmlns="" xmlns:p14="http://schemas.microsoft.com/office/powerpoint/2010/main" val="4157978950"/>
+        <p14:creationId xmlns:p14="http://schemas.microsoft.com/office/powerpoint/2010/main" xmlns="" val="4157978950"/>
       </p:ext>
     </p:extLst>
   </p:cSld>
@@ -1217,7 +1217,7 @@
             <a:effectLst/>
             <a:extLst>
               <a:ext uri="{91240B29-F687-4F45-9708-019B960494DF}">
-                <a14:hiddenLine xmlns="" xmlns:a14="http://schemas.microsoft.com/office/drawing/2010/main" w="9525">
+                <a14:hiddenLine xmlns:a14="http://schemas.microsoft.com/office/drawing/2010/main" xmlns="" w="9525">
                   <a:solidFill>
                     <a:schemeClr val="tx1"/>
                   </a:solidFill>
@@ -1227,7 +1227,7 @@
                 </a14:hiddenLine>
               </a:ext>
               <a:ext uri="{AF507438-7753-43E0-B8FC-AC1667EBCBE1}">
-                <a14:hiddenEffects xmlns="" xmlns:a14="http://schemas.microsoft.com/office/drawing/2010/main">
+                <a14:hiddenEffects xmlns:a14="http://schemas.microsoft.com/office/drawing/2010/main" xmlns="">
                   <a:effectLst>
                     <a:outerShdw dist="35921" dir="2700000" algn="ctr" rotWithShape="0">
                       <a:schemeClr val="bg2"/>
@@ -1280,7 +1280,7 @@
             </a:ln>
             <a:extLst>
               <a:ext uri="{91240B29-F687-4F45-9708-019B960494DF}">
-                <a14:hiddenLine xmlns="" xmlns:a14="http://schemas.microsoft.com/office/drawing/2010/main" w="9525">
+                <a14:hiddenLine xmlns:a14="http://schemas.microsoft.com/office/drawing/2010/main" xmlns="" w="9525">
                   <a:solidFill>
                     <a:srgbClr val="000000"/>
                   </a:solidFill>
@@ -1350,7 +1350,7 @@
               </a:ln>
               <a:extLst>
                 <a:ext uri="{91240B29-F687-4F45-9708-019B960494DF}">
-                  <a14:hiddenLine xmlns="" xmlns:a14="http://schemas.microsoft.com/office/drawing/2010/main" w="9525">
+                  <a14:hiddenLine xmlns:a14="http://schemas.microsoft.com/office/drawing/2010/main" xmlns="" w="9525">
                     <a:solidFill>
                       <a:srgbClr val="000000"/>
                     </a:solidFill>
@@ -1404,7 +1404,7 @@
               </a:ln>
               <a:extLst>
                 <a:ext uri="{91240B29-F687-4F45-9708-019B960494DF}">
-                  <a14:hiddenLine xmlns="" xmlns:a14="http://schemas.microsoft.com/office/drawing/2010/main" w="9525">
+                  <a14:hiddenLine xmlns:a14="http://schemas.microsoft.com/office/drawing/2010/main" xmlns="" w="9525">
                     <a:solidFill>
                       <a:srgbClr val="000000"/>
                     </a:solidFill>
@@ -1458,7 +1458,7 @@
               </a:ln>
               <a:extLst>
                 <a:ext uri="{91240B29-F687-4F45-9708-019B960494DF}">
-                  <a14:hiddenLine xmlns="" xmlns:a14="http://schemas.microsoft.com/office/drawing/2010/main" w="9525">
+                  <a14:hiddenLine xmlns:a14="http://schemas.microsoft.com/office/drawing/2010/main" xmlns="" w="9525">
                     <a:solidFill>
                       <a:srgbClr val="000000"/>
                     </a:solidFill>
@@ -1512,7 +1512,7 @@
               </a:ln>
               <a:extLst>
                 <a:ext uri="{91240B29-F687-4F45-9708-019B960494DF}">
-                  <a14:hiddenLine xmlns="" xmlns:a14="http://schemas.microsoft.com/office/drawing/2010/main" w="9525">
+                  <a14:hiddenLine xmlns:a14="http://schemas.microsoft.com/office/drawing/2010/main" xmlns="" w="9525">
                     <a:solidFill>
                       <a:srgbClr val="000000"/>
                     </a:solidFill>
@@ -1566,7 +1566,7 @@
               </a:ln>
               <a:extLst>
                 <a:ext uri="{91240B29-F687-4F45-9708-019B960494DF}">
-                  <a14:hiddenLine xmlns="" xmlns:a14="http://schemas.microsoft.com/office/drawing/2010/main" w="9525">
+                  <a14:hiddenLine xmlns:a14="http://schemas.microsoft.com/office/drawing/2010/main" xmlns="" w="9525">
                     <a:solidFill>
                       <a:srgbClr val="000000"/>
                     </a:solidFill>
@@ -1620,7 +1620,7 @@
               </a:ln>
               <a:extLst>
                 <a:ext uri="{91240B29-F687-4F45-9708-019B960494DF}">
-                  <a14:hiddenLine xmlns="" xmlns:a14="http://schemas.microsoft.com/office/drawing/2010/main" w="9525">
+                  <a14:hiddenLine xmlns:a14="http://schemas.microsoft.com/office/drawing/2010/main" xmlns="" w="9525">
                     <a:solidFill>
                       <a:srgbClr val="000000"/>
                     </a:solidFill>
@@ -1674,7 +1674,7 @@
               </a:ln>
               <a:extLst>
                 <a:ext uri="{91240B29-F687-4F45-9708-019B960494DF}">
-                  <a14:hiddenLine xmlns="" xmlns:a14="http://schemas.microsoft.com/office/drawing/2010/main" w="9525">
+                  <a14:hiddenLine xmlns:a14="http://schemas.microsoft.com/office/drawing/2010/main" xmlns="" w="9525">
                     <a:solidFill>
                       <a:srgbClr val="000000"/>
                     </a:solidFill>
@@ -1728,7 +1728,7 @@
               </a:ln>
               <a:extLst>
                 <a:ext uri="{91240B29-F687-4F45-9708-019B960494DF}">
-                  <a14:hiddenLine xmlns="" xmlns:a14="http://schemas.microsoft.com/office/drawing/2010/main" w="9525">
+                  <a14:hiddenLine xmlns:a14="http://schemas.microsoft.com/office/drawing/2010/main" xmlns="" w="9525">
                     <a:solidFill>
                       <a:srgbClr val="000000"/>
                     </a:solidFill>
@@ -1782,7 +1782,7 @@
               </a:ln>
               <a:extLst>
                 <a:ext uri="{91240B29-F687-4F45-9708-019B960494DF}">
-                  <a14:hiddenLine xmlns="" xmlns:a14="http://schemas.microsoft.com/office/drawing/2010/main" w="9525">
+                  <a14:hiddenLine xmlns:a14="http://schemas.microsoft.com/office/drawing/2010/main" xmlns="" w="9525">
                     <a:solidFill>
                       <a:srgbClr val="000000"/>
                     </a:solidFill>
@@ -1836,7 +1836,7 @@
               </a:ln>
               <a:extLst>
                 <a:ext uri="{91240B29-F687-4F45-9708-019B960494DF}">
-                  <a14:hiddenLine xmlns="" xmlns:a14="http://schemas.microsoft.com/office/drawing/2010/main" w="9525">
+                  <a14:hiddenLine xmlns:a14="http://schemas.microsoft.com/office/drawing/2010/main" xmlns="" w="9525">
                     <a:solidFill>
                       <a:srgbClr val="000000"/>
                     </a:solidFill>
@@ -2195,7 +2195,7 @@
     </p:spTree>
     <p:extLst>
       <p:ext uri="{BB962C8B-B14F-4D97-AF65-F5344CB8AC3E}">
-        <p14:creationId xmlns="" xmlns:p14="http://schemas.microsoft.com/office/powerpoint/2010/main" val="86913377"/>
+        <p14:creationId xmlns:p14="http://schemas.microsoft.com/office/powerpoint/2010/main" xmlns="" val="86913377"/>
       </p:ext>
     </p:extLst>
   </p:cSld>
@@ -2385,7 +2385,7 @@
     </p:spTree>
     <p:extLst>
       <p:ext uri="{BB962C8B-B14F-4D97-AF65-F5344CB8AC3E}">
-        <p14:creationId xmlns="" xmlns:p14="http://schemas.microsoft.com/office/powerpoint/2010/main" val="4273429077"/>
+        <p14:creationId xmlns:p14="http://schemas.microsoft.com/office/powerpoint/2010/main" xmlns="" val="4273429077"/>
       </p:ext>
     </p:extLst>
   </p:cSld>
@@ -2647,7 +2647,7 @@
     </p:spTree>
     <p:extLst>
       <p:ext uri="{BB962C8B-B14F-4D97-AF65-F5344CB8AC3E}">
-        <p14:creationId xmlns="" xmlns:p14="http://schemas.microsoft.com/office/powerpoint/2010/main" val="831120082"/>
+        <p14:creationId xmlns:p14="http://schemas.microsoft.com/office/powerpoint/2010/main" xmlns="" val="831120082"/>
       </p:ext>
     </p:extLst>
   </p:cSld>
@@ -2880,7 +2880,7 @@
     </p:spTree>
     <p:extLst>
       <p:ext uri="{BB962C8B-B14F-4D97-AF65-F5344CB8AC3E}">
-        <p14:creationId xmlns="" xmlns:p14="http://schemas.microsoft.com/office/powerpoint/2010/main" val="2373605731"/>
+        <p14:creationId xmlns:p14="http://schemas.microsoft.com/office/powerpoint/2010/main" xmlns="" val="2373605731"/>
       </p:ext>
     </p:extLst>
   </p:cSld>
@@ -3113,7 +3113,7 @@
     </p:spTree>
     <p:extLst>
       <p:ext uri="{BB962C8B-B14F-4D97-AF65-F5344CB8AC3E}">
-        <p14:creationId xmlns="" xmlns:p14="http://schemas.microsoft.com/office/powerpoint/2010/main" val="1881871935"/>
+        <p14:creationId xmlns:p14="http://schemas.microsoft.com/office/powerpoint/2010/main" xmlns="" val="1881871935"/>
       </p:ext>
     </p:extLst>
   </p:cSld>
@@ -3293,7 +3293,7 @@
     </p:spTree>
     <p:extLst>
       <p:ext uri="{BB962C8B-B14F-4D97-AF65-F5344CB8AC3E}">
-        <p14:creationId xmlns="" xmlns:p14="http://schemas.microsoft.com/office/powerpoint/2010/main" val="2048350811"/>
+        <p14:creationId xmlns:p14="http://schemas.microsoft.com/office/powerpoint/2010/main" xmlns="" val="2048350811"/>
       </p:ext>
     </p:extLst>
   </p:cSld>
@@ -3495,7 +3495,7 @@
     </p:spTree>
     <p:extLst>
       <p:ext uri="{BB962C8B-B14F-4D97-AF65-F5344CB8AC3E}">
-        <p14:creationId xmlns="" xmlns:p14="http://schemas.microsoft.com/office/powerpoint/2010/main" val="2196783589"/>
+        <p14:creationId xmlns:p14="http://schemas.microsoft.com/office/powerpoint/2010/main" xmlns="" val="2196783589"/>
       </p:ext>
     </p:extLst>
   </p:cSld>
@@ -3793,7 +3793,7 @@
     </p:spTree>
     <p:extLst>
       <p:ext uri="{BB962C8B-B14F-4D97-AF65-F5344CB8AC3E}">
-        <p14:creationId xmlns="" xmlns:p14="http://schemas.microsoft.com/office/powerpoint/2010/main" val="814128731"/>
+        <p14:creationId xmlns:p14="http://schemas.microsoft.com/office/powerpoint/2010/main" xmlns="" val="814128731"/>
       </p:ext>
     </p:extLst>
   </p:cSld>
@@ -4230,7 +4230,7 @@
     </p:spTree>
     <p:extLst>
       <p:ext uri="{BB962C8B-B14F-4D97-AF65-F5344CB8AC3E}">
-        <p14:creationId xmlns="" xmlns:p14="http://schemas.microsoft.com/office/powerpoint/2010/main" val="692798999"/>
+        <p14:creationId xmlns:p14="http://schemas.microsoft.com/office/powerpoint/2010/main" xmlns="" val="692798999"/>
       </p:ext>
     </p:extLst>
   </p:cSld>
@@ -4358,7 +4358,7 @@
     </p:spTree>
     <p:extLst>
       <p:ext uri="{BB962C8B-B14F-4D97-AF65-F5344CB8AC3E}">
-        <p14:creationId xmlns="" xmlns:p14="http://schemas.microsoft.com/office/powerpoint/2010/main" val="971838808"/>
+        <p14:creationId xmlns:p14="http://schemas.microsoft.com/office/powerpoint/2010/main" xmlns="" val="971838808"/>
       </p:ext>
     </p:extLst>
   </p:cSld>
@@ -4463,7 +4463,7 @@
     </p:spTree>
     <p:extLst>
       <p:ext uri="{BB962C8B-B14F-4D97-AF65-F5344CB8AC3E}">
-        <p14:creationId xmlns="" xmlns:p14="http://schemas.microsoft.com/office/powerpoint/2010/main" val="4268550838"/>
+        <p14:creationId xmlns:p14="http://schemas.microsoft.com/office/powerpoint/2010/main" xmlns="" val="4268550838"/>
       </p:ext>
     </p:extLst>
   </p:cSld>
@@ -4750,7 +4750,7 @@
     </p:spTree>
     <p:extLst>
       <p:ext uri="{BB962C8B-B14F-4D97-AF65-F5344CB8AC3E}">
-        <p14:creationId xmlns="" xmlns:p14="http://schemas.microsoft.com/office/powerpoint/2010/main" val="835405000"/>
+        <p14:creationId xmlns:p14="http://schemas.microsoft.com/office/powerpoint/2010/main" xmlns="" val="835405000"/>
       </p:ext>
     </p:extLst>
   </p:cSld>
@@ -5017,7 +5017,7 @@
     </p:spTree>
     <p:extLst>
       <p:ext uri="{BB962C8B-B14F-4D97-AF65-F5344CB8AC3E}">
-        <p14:creationId xmlns="" xmlns:p14="http://schemas.microsoft.com/office/powerpoint/2010/main" val="1218909942"/>
+        <p14:creationId xmlns:p14="http://schemas.microsoft.com/office/powerpoint/2010/main" xmlns="" val="1218909942"/>
       </p:ext>
     </p:extLst>
   </p:cSld>
@@ -5078,14 +5078,14 @@
           <a:effectLst/>
           <a:extLst>
             <a:ext uri="{909E8E84-426E-40DD-AFC4-6F175D3DCCD1}">
-              <a14:hiddenFill xmlns="" xmlns:a14="http://schemas.microsoft.com/office/drawing/2010/main">
+              <a14:hiddenFill xmlns:a14="http://schemas.microsoft.com/office/drawing/2010/main" xmlns="">
                 <a:solidFill>
                   <a:schemeClr val="accent1"/>
                 </a:solidFill>
               </a14:hiddenFill>
             </a:ext>
             <a:ext uri="{91240B29-F687-4F45-9708-019B960494DF}">
-              <a14:hiddenLine xmlns="" xmlns:a14="http://schemas.microsoft.com/office/drawing/2010/main" w="9525">
+              <a14:hiddenLine xmlns:a14="http://schemas.microsoft.com/office/drawing/2010/main" xmlns="" w="9525">
                 <a:solidFill>
                   <a:schemeClr val="tx1"/>
                 </a:solidFill>
@@ -5095,7 +5095,7 @@
               </a14:hiddenLine>
             </a:ext>
             <a:ext uri="{AF507438-7753-43E0-B8FC-AC1667EBCBE1}">
-              <a14:hiddenEffects xmlns="" xmlns:a14="http://schemas.microsoft.com/office/drawing/2010/main">
+              <a14:hiddenEffects xmlns:a14="http://schemas.microsoft.com/office/drawing/2010/main" xmlns="">
                 <a:effectLst>
                   <a:outerShdw dist="35921" dir="2700000" algn="ctr" rotWithShape="0">
                     <a:schemeClr val="bg2"/>
@@ -5148,14 +5148,14 @@
           <a:effectLst/>
           <a:extLst>
             <a:ext uri="{909E8E84-426E-40DD-AFC4-6F175D3DCCD1}">
-              <a14:hiddenFill xmlns="" xmlns:a14="http://schemas.microsoft.com/office/drawing/2010/main">
+              <a14:hiddenFill xmlns:a14="http://schemas.microsoft.com/office/drawing/2010/main" xmlns="">
                 <a:solidFill>
                   <a:schemeClr val="accent1"/>
                 </a:solidFill>
               </a14:hiddenFill>
             </a:ext>
             <a:ext uri="{91240B29-F687-4F45-9708-019B960494DF}">
-              <a14:hiddenLine xmlns="" xmlns:a14="http://schemas.microsoft.com/office/drawing/2010/main" w="9525">
+              <a14:hiddenLine xmlns:a14="http://schemas.microsoft.com/office/drawing/2010/main" xmlns="" w="9525">
                 <a:solidFill>
                   <a:schemeClr val="tx1"/>
                 </a:solidFill>
@@ -5165,7 +5165,7 @@
               </a14:hiddenLine>
             </a:ext>
             <a:ext uri="{AF507438-7753-43E0-B8FC-AC1667EBCBE1}">
-              <a14:hiddenEffects xmlns="" xmlns:a14="http://schemas.microsoft.com/office/drawing/2010/main">
+              <a14:hiddenEffects xmlns:a14="http://schemas.microsoft.com/office/drawing/2010/main" xmlns="">
                 <a:effectLst>
                   <a:outerShdw dist="35921" dir="2700000" algn="ctr" rotWithShape="0">
                     <a:schemeClr val="bg2"/>
@@ -5248,7 +5248,7 @@
             <a:effectLst/>
             <a:extLst>
               <a:ext uri="{91240B29-F687-4F45-9708-019B960494DF}">
-                <a14:hiddenLine xmlns="" xmlns:a14="http://schemas.microsoft.com/office/drawing/2010/main" w="9525">
+                <a14:hiddenLine xmlns:a14="http://schemas.microsoft.com/office/drawing/2010/main" xmlns="" w="9525">
                   <a:solidFill>
                     <a:schemeClr val="tx1"/>
                   </a:solidFill>
@@ -5258,7 +5258,7 @@
                 </a14:hiddenLine>
               </a:ext>
               <a:ext uri="{AF507438-7753-43E0-B8FC-AC1667EBCBE1}">
-                <a14:hiddenEffects xmlns="" xmlns:a14="http://schemas.microsoft.com/office/drawing/2010/main">
+                <a14:hiddenEffects xmlns:a14="http://schemas.microsoft.com/office/drawing/2010/main" xmlns="">
                   <a:effectLst>
                     <a:outerShdw dist="35921" dir="2700000" algn="ctr" rotWithShape="0">
                       <a:schemeClr val="bg2"/>
@@ -5319,7 +5319,7 @@
             </a:ln>
             <a:extLst>
               <a:ext uri="{91240B29-F687-4F45-9708-019B960494DF}">
-                <a14:hiddenLine xmlns="" xmlns:a14="http://schemas.microsoft.com/office/drawing/2010/main" w="9525">
+                <a14:hiddenLine xmlns:a14="http://schemas.microsoft.com/office/drawing/2010/main" xmlns="" w="9525">
                   <a:solidFill>
                     <a:srgbClr val="000000"/>
                   </a:solidFill>
@@ -5373,7 +5373,7 @@
             </a:ln>
             <a:extLst>
               <a:ext uri="{91240B29-F687-4F45-9708-019B960494DF}">
-                <a14:hiddenLine xmlns="" xmlns:a14="http://schemas.microsoft.com/office/drawing/2010/main" w="9525">
+                <a14:hiddenLine xmlns:a14="http://schemas.microsoft.com/office/drawing/2010/main" xmlns="" w="9525">
                   <a:solidFill>
                     <a:srgbClr val="000000"/>
                   </a:solidFill>
@@ -5422,7 +5422,7 @@
             </a:ln>
             <a:extLst>
               <a:ext uri="{91240B29-F687-4F45-9708-019B960494DF}">
-                <a14:hiddenLine xmlns="" xmlns:a14="http://schemas.microsoft.com/office/drawing/2010/main" w="9525">
+                <a14:hiddenLine xmlns:a14="http://schemas.microsoft.com/office/drawing/2010/main" xmlns="" w="9525">
                   <a:solidFill>
                     <a:srgbClr val="000000"/>
                   </a:solidFill>
@@ -5471,7 +5471,7 @@
             </a:ln>
             <a:extLst>
               <a:ext uri="{91240B29-F687-4F45-9708-019B960494DF}">
-                <a14:hiddenLine xmlns="" xmlns:a14="http://schemas.microsoft.com/office/drawing/2010/main" w="9525">
+                <a14:hiddenLine xmlns:a14="http://schemas.microsoft.com/office/drawing/2010/main" xmlns="" w="9525">
                   <a:solidFill>
                     <a:srgbClr val="000000"/>
                   </a:solidFill>
@@ -5520,7 +5520,7 @@
             </a:ln>
             <a:extLst>
               <a:ext uri="{91240B29-F687-4F45-9708-019B960494DF}">
-                <a14:hiddenLine xmlns="" xmlns:a14="http://schemas.microsoft.com/office/drawing/2010/main" w="9525">
+                <a14:hiddenLine xmlns:a14="http://schemas.microsoft.com/office/drawing/2010/main" xmlns="" w="9525">
                   <a:solidFill>
                     <a:srgbClr val="000000"/>
                   </a:solidFill>
@@ -5569,7 +5569,7 @@
             </a:ln>
             <a:extLst>
               <a:ext uri="{91240B29-F687-4F45-9708-019B960494DF}">
-                <a14:hiddenLine xmlns="" xmlns:a14="http://schemas.microsoft.com/office/drawing/2010/main" w="9525">
+                <a14:hiddenLine xmlns:a14="http://schemas.microsoft.com/office/drawing/2010/main" xmlns="" w="9525">
                   <a:solidFill>
                     <a:srgbClr val="000000"/>
                   </a:solidFill>
@@ -5623,7 +5623,7 @@
             </a:ln>
             <a:extLst>
               <a:ext uri="{91240B29-F687-4F45-9708-019B960494DF}">
-                <a14:hiddenLine xmlns="" xmlns:a14="http://schemas.microsoft.com/office/drawing/2010/main" w="9525">
+                <a14:hiddenLine xmlns:a14="http://schemas.microsoft.com/office/drawing/2010/main" xmlns="" w="9525">
                   <a:solidFill>
                     <a:srgbClr val="000000"/>
                   </a:solidFill>
@@ -5672,7 +5672,7 @@
             </a:ln>
             <a:extLst>
               <a:ext uri="{91240B29-F687-4F45-9708-019B960494DF}">
-                <a14:hiddenLine xmlns="" xmlns:a14="http://schemas.microsoft.com/office/drawing/2010/main" w="9525">
+                <a14:hiddenLine xmlns:a14="http://schemas.microsoft.com/office/drawing/2010/main" xmlns="" w="9525">
                   <a:solidFill>
                     <a:srgbClr val="000000"/>
                   </a:solidFill>
@@ -5723,14 +5723,14 @@
           <a:effectLst/>
           <a:extLst>
             <a:ext uri="{909E8E84-426E-40DD-AFC4-6F175D3DCCD1}">
-              <a14:hiddenFill xmlns="" xmlns:a14="http://schemas.microsoft.com/office/drawing/2010/main">
+              <a14:hiddenFill xmlns:a14="http://schemas.microsoft.com/office/drawing/2010/main" xmlns="">
                 <a:solidFill>
                   <a:schemeClr val="accent1"/>
                 </a:solidFill>
               </a14:hiddenFill>
             </a:ext>
             <a:ext uri="{91240B29-F687-4F45-9708-019B960494DF}">
-              <a14:hiddenLine xmlns="" xmlns:a14="http://schemas.microsoft.com/office/drawing/2010/main" w="9525">
+              <a14:hiddenLine xmlns:a14="http://schemas.microsoft.com/office/drawing/2010/main" xmlns="" w="9525">
                 <a:solidFill>
                   <a:schemeClr val="tx1"/>
                 </a:solidFill>
@@ -5740,7 +5740,7 @@
               </a14:hiddenLine>
             </a:ext>
             <a:ext uri="{AF507438-7753-43E0-B8FC-AC1667EBCBE1}">
-              <a14:hiddenEffects xmlns="" xmlns:a14="http://schemas.microsoft.com/office/drawing/2010/main">
+              <a14:hiddenEffects xmlns:a14="http://schemas.microsoft.com/office/drawing/2010/main" xmlns="">
                 <a:effectLst>
                   <a:outerShdw dist="35921" dir="2700000" algn="ctr" rotWithShape="0">
                     <a:schemeClr val="bg2"/>
@@ -5791,14 +5791,14 @@
           <a:effectLst/>
           <a:extLst>
             <a:ext uri="{909E8E84-426E-40DD-AFC4-6F175D3DCCD1}">
-              <a14:hiddenFill xmlns="" xmlns:a14="http://schemas.microsoft.com/office/drawing/2010/main">
+              <a14:hiddenFill xmlns:a14="http://schemas.microsoft.com/office/drawing/2010/main" xmlns="">
                 <a:solidFill>
                   <a:schemeClr val="accent1"/>
                 </a:solidFill>
               </a14:hiddenFill>
             </a:ext>
             <a:ext uri="{91240B29-F687-4F45-9708-019B960494DF}">
-              <a14:hiddenLine xmlns="" xmlns:a14="http://schemas.microsoft.com/office/drawing/2010/main" w="9525">
+              <a14:hiddenLine xmlns:a14="http://schemas.microsoft.com/office/drawing/2010/main" xmlns="" w="9525">
                 <a:solidFill>
                   <a:schemeClr val="tx1"/>
                 </a:solidFill>
@@ -5808,7 +5808,7 @@
               </a14:hiddenLine>
             </a:ext>
             <a:ext uri="{AF507438-7753-43E0-B8FC-AC1667EBCBE1}">
-              <a14:hiddenEffects xmlns="" xmlns:a14="http://schemas.microsoft.com/office/drawing/2010/main">
+              <a14:hiddenEffects xmlns:a14="http://schemas.microsoft.com/office/drawing/2010/main" xmlns="">
                 <a:effectLst>
                   <a:outerShdw dist="35921" dir="2700000" algn="ctr" rotWithShape="0">
                     <a:schemeClr val="bg2"/>
@@ -5887,14 +5887,14 @@
           <a:effectLst/>
           <a:extLst>
             <a:ext uri="{909E8E84-426E-40DD-AFC4-6F175D3DCCD1}">
-              <a14:hiddenFill xmlns="" xmlns:a14="http://schemas.microsoft.com/office/drawing/2010/main">
+              <a14:hiddenFill xmlns:a14="http://schemas.microsoft.com/office/drawing/2010/main" xmlns="">
                 <a:solidFill>
                   <a:schemeClr val="accent1"/>
                 </a:solidFill>
               </a14:hiddenFill>
             </a:ext>
             <a:ext uri="{91240B29-F687-4F45-9708-019B960494DF}">
-              <a14:hiddenLine xmlns="" xmlns:a14="http://schemas.microsoft.com/office/drawing/2010/main" w="9525">
+              <a14:hiddenLine xmlns:a14="http://schemas.microsoft.com/office/drawing/2010/main" xmlns="" w="9525">
                 <a:solidFill>
                   <a:schemeClr val="tx1"/>
                 </a:solidFill>
@@ -5904,7 +5904,7 @@
               </a14:hiddenLine>
             </a:ext>
             <a:ext uri="{AF507438-7753-43E0-B8FC-AC1667EBCBE1}">
-              <a14:hiddenEffects xmlns="" xmlns:a14="http://schemas.microsoft.com/office/drawing/2010/main">
+              <a14:hiddenEffects xmlns:a14="http://schemas.microsoft.com/office/drawing/2010/main" xmlns="">
                 <a:effectLst>
                   <a:outerShdw dist="35921" dir="2700000" algn="ctr" rotWithShape="0">
                     <a:schemeClr val="bg2"/>
@@ -6613,7 +6613,7 @@
             <a:effectLst/>
             <a:extLst>
               <a:ext uri="{AF507438-7753-43E0-B8FC-AC1667EBCBE1}">
-                <a14:hiddenEffects xmlns="" xmlns:a14="http://schemas.microsoft.com/office/drawing/2010/main">
+                <a14:hiddenEffects xmlns:a14="http://schemas.microsoft.com/office/drawing/2010/main" xmlns="">
                   <a:effectLst>
                     <a:outerShdw dist="35921" dir="2700000" algn="ctr" rotWithShape="0">
                       <a:schemeClr val="bg2"/>
@@ -6653,7 +6653,7 @@
             <a:effectLst/>
             <a:extLst>
               <a:ext uri="{AF507438-7753-43E0-B8FC-AC1667EBCBE1}">
-                <a14:hiddenEffects xmlns="" xmlns:a14="http://schemas.microsoft.com/office/drawing/2010/main">
+                <a14:hiddenEffects xmlns:a14="http://schemas.microsoft.com/office/drawing/2010/main" xmlns="">
                   <a:effectLst>
                     <a:outerShdw dist="35921" dir="2700000" algn="ctr" rotWithShape="0">
                       <a:schemeClr val="bg2"/>
@@ -6693,7 +6693,7 @@
             <a:effectLst/>
             <a:extLst>
               <a:ext uri="{AF507438-7753-43E0-B8FC-AC1667EBCBE1}">
-                <a14:hiddenEffects xmlns="" xmlns:a14="http://schemas.microsoft.com/office/drawing/2010/main">
+                <a14:hiddenEffects xmlns:a14="http://schemas.microsoft.com/office/drawing/2010/main" xmlns="">
                   <a:effectLst>
                     <a:outerShdw dist="35921" dir="2700000" algn="ctr" rotWithShape="0">
                       <a:schemeClr val="bg2"/>
@@ -6736,7 +6736,7 @@
             <a:effectLst/>
             <a:extLst>
               <a:ext uri="{AF507438-7753-43E0-B8FC-AC1667EBCBE1}">
-                <a14:hiddenEffects xmlns="" xmlns:a14="http://schemas.microsoft.com/office/drawing/2010/main">
+                <a14:hiddenEffects xmlns:a14="http://schemas.microsoft.com/office/drawing/2010/main" xmlns="">
                   <a:effectLst>
                     <a:outerShdw dist="35921" dir="2700000" algn="ctr" rotWithShape="0">
                       <a:schemeClr val="bg2"/>
@@ -6787,7 +6787,7 @@
     </p:spTree>
     <p:extLst>
       <p:ext uri="{BB962C8B-B14F-4D97-AF65-F5344CB8AC3E}">
-        <p14:creationId xmlns="" xmlns:p14="http://schemas.microsoft.com/office/powerpoint/2010/main" val="703775315"/>
+        <p14:creationId xmlns:p14="http://schemas.microsoft.com/office/powerpoint/2010/main" xmlns="" val="703775315"/>
       </p:ext>
     </p:extLst>
   </p:cSld>
@@ -7052,7 +7052,7 @@
             <a:effectLst/>
             <a:extLst>
               <a:ext uri="{AF507438-7753-43E0-B8FC-AC1667EBCBE1}">
-                <a14:hiddenEffects xmlns="" xmlns:a14="http://schemas.microsoft.com/office/drawing/2010/main">
+                <a14:hiddenEffects xmlns:a14="http://schemas.microsoft.com/office/drawing/2010/main" xmlns="">
                   <a:effectLst>
                     <a:outerShdw dist="35921" dir="2700000" algn="ctr" rotWithShape="0">
                       <a:schemeClr val="bg2"/>
@@ -7092,7 +7092,7 @@
             <a:effectLst/>
             <a:extLst>
               <a:ext uri="{AF507438-7753-43E0-B8FC-AC1667EBCBE1}">
-                <a14:hiddenEffects xmlns="" xmlns:a14="http://schemas.microsoft.com/office/drawing/2010/main">
+                <a14:hiddenEffects xmlns:a14="http://schemas.microsoft.com/office/drawing/2010/main" xmlns="">
                   <a:effectLst>
                     <a:outerShdw dist="35921" dir="2700000" algn="ctr" rotWithShape="0">
                       <a:schemeClr val="bg2"/>
@@ -7132,7 +7132,7 @@
             <a:effectLst/>
             <a:extLst>
               <a:ext uri="{AF507438-7753-43E0-B8FC-AC1667EBCBE1}">
-                <a14:hiddenEffects xmlns="" xmlns:a14="http://schemas.microsoft.com/office/drawing/2010/main">
+                <a14:hiddenEffects xmlns:a14="http://schemas.microsoft.com/office/drawing/2010/main" xmlns="">
                   <a:effectLst>
                     <a:outerShdw dist="35921" dir="2700000" algn="ctr" rotWithShape="0">
                       <a:schemeClr val="bg2"/>
@@ -7175,7 +7175,7 @@
             <a:effectLst/>
             <a:extLst>
               <a:ext uri="{AF507438-7753-43E0-B8FC-AC1667EBCBE1}">
-                <a14:hiddenEffects xmlns="" xmlns:a14="http://schemas.microsoft.com/office/drawing/2010/main">
+                <a14:hiddenEffects xmlns:a14="http://schemas.microsoft.com/office/drawing/2010/main" xmlns="">
                   <a:effectLst>
                     <a:outerShdw dist="35921" dir="2700000" algn="ctr" rotWithShape="0">
                       <a:schemeClr val="bg2"/>
@@ -7513,7 +7513,7 @@
           <a:blip r:embed="rId6" cstate="print">
             <a:extLst>
               <a:ext uri="{28A0092B-C50C-407E-A947-70E740481C1C}">
-                <a14:useLocalDpi xmlns="" xmlns:a14="http://schemas.microsoft.com/office/drawing/2010/main" val="0"/>
+                <a14:useLocalDpi xmlns:a14="http://schemas.microsoft.com/office/drawing/2010/main" xmlns="" val="0"/>
               </a:ext>
             </a:extLst>
           </a:blip>
@@ -7536,14 +7536,14 @@
           </a:ln>
           <a:extLst>
             <a:ext uri="{909E8E84-426E-40DD-AFC4-6F175D3DCCD1}">
-              <a14:hiddenFill xmlns="" xmlns:a14="http://schemas.microsoft.com/office/drawing/2010/main">
+              <a14:hiddenFill xmlns:a14="http://schemas.microsoft.com/office/drawing/2010/main" xmlns="">
                 <a:solidFill>
                   <a:schemeClr val="accent1"/>
                 </a:solidFill>
               </a14:hiddenFill>
             </a:ext>
             <a:ext uri="{91240B29-F687-4F45-9708-019B960494DF}">
-              <a14:hiddenLine xmlns="" xmlns:a14="http://schemas.microsoft.com/office/drawing/2010/main" w="9525">
+              <a14:hiddenLine xmlns:a14="http://schemas.microsoft.com/office/drawing/2010/main" xmlns="" w="9525">
                 <a:solidFill>
                   <a:schemeClr val="tx1"/>
                 </a:solidFill>
@@ -7646,7 +7646,7 @@
           <a:effectLst/>
           <a:extLst>
             <a:ext uri="{AF507438-7753-43E0-B8FC-AC1667EBCBE1}">
-              <a14:hiddenEffects xmlns="" xmlns:a14="http://schemas.microsoft.com/office/drawing/2010/main">
+              <a14:hiddenEffects xmlns:a14="http://schemas.microsoft.com/office/drawing/2010/main" xmlns="">
                 <a:effectLst>
                   <a:outerShdw dist="35921" dir="2700000" algn="ctr" rotWithShape="0">
                     <a:schemeClr val="bg2"/>
@@ -7737,17 +7737,6 @@
               </a:rPr>
               <a:t>다시 문의함</a:t>
             </a:r>
-            <a:endParaRPr kumimoji="0" lang="ko-KR" altLang="en-US" sz="3000" b="1" i="0" u="none" strike="noStrike" cap="none" normalizeH="0" baseline="0" dirty="0" smtClean="0">
-              <a:ln>
-                <a:noFill/>
-              </a:ln>
-              <a:solidFill>
-                <a:schemeClr val="tx1"/>
-              </a:solidFill>
-              <a:effectLst/>
-              <a:latin typeface="HY강B" pitchFamily="18" charset="-127"/>
-              <a:ea typeface="HY강B" pitchFamily="18" charset="-127"/>
-            </a:endParaRPr>
           </a:p>
         </p:txBody>
       </p:sp>
@@ -7759,7 +7748,7 @@
     </p:controls>
     <p:extLst>
       <p:ext uri="{BB962C8B-B14F-4D97-AF65-F5344CB8AC3E}">
-        <p14:creationId xmlns="" xmlns:p14="http://schemas.microsoft.com/office/powerpoint/2010/main" val="1587115735"/>
+        <p14:creationId xmlns:p14="http://schemas.microsoft.com/office/powerpoint/2010/main" xmlns="" val="1587115735"/>
       </p:ext>
     </p:extLst>
   </p:cSld>
@@ -8024,7 +8013,7 @@
             <a:effectLst/>
             <a:extLst>
               <a:ext uri="{AF507438-7753-43E0-B8FC-AC1667EBCBE1}">
-                <a14:hiddenEffects xmlns="" xmlns:a14="http://schemas.microsoft.com/office/drawing/2010/main">
+                <a14:hiddenEffects xmlns:a14="http://schemas.microsoft.com/office/drawing/2010/main" xmlns="">
                   <a:effectLst>
                     <a:outerShdw dist="35921" dir="2700000" algn="ctr" rotWithShape="0">
                       <a:schemeClr val="bg2"/>
@@ -8064,7 +8053,7 @@
             <a:effectLst/>
             <a:extLst>
               <a:ext uri="{AF507438-7753-43E0-B8FC-AC1667EBCBE1}">
-                <a14:hiddenEffects xmlns="" xmlns:a14="http://schemas.microsoft.com/office/drawing/2010/main">
+                <a14:hiddenEffects xmlns:a14="http://schemas.microsoft.com/office/drawing/2010/main" xmlns="">
                   <a:effectLst>
                     <a:outerShdw dist="35921" dir="2700000" algn="ctr" rotWithShape="0">
                       <a:schemeClr val="bg2"/>
@@ -8104,7 +8093,7 @@
             <a:effectLst/>
             <a:extLst>
               <a:ext uri="{AF507438-7753-43E0-B8FC-AC1667EBCBE1}">
-                <a14:hiddenEffects xmlns="" xmlns:a14="http://schemas.microsoft.com/office/drawing/2010/main">
+                <a14:hiddenEffects xmlns:a14="http://schemas.microsoft.com/office/drawing/2010/main" xmlns="">
                   <a:effectLst>
                     <a:outerShdw dist="35921" dir="2700000" algn="ctr" rotWithShape="0">
                       <a:schemeClr val="bg2"/>
@@ -8147,7 +8136,7 @@
             <a:effectLst/>
             <a:extLst>
               <a:ext uri="{AF507438-7753-43E0-B8FC-AC1667EBCBE1}">
-                <a14:hiddenEffects xmlns="" xmlns:a14="http://schemas.microsoft.com/office/drawing/2010/main">
+                <a14:hiddenEffects xmlns:a14="http://schemas.microsoft.com/office/drawing/2010/main" xmlns="">
                   <a:effectLst>
                     <a:outerShdw dist="35921" dir="2700000" algn="ctr" rotWithShape="0">
                       <a:schemeClr val="bg2"/>
@@ -8590,7 +8579,7 @@
           <a:blip r:embed="rId2" cstate="print">
             <a:extLst>
               <a:ext uri="{28A0092B-C50C-407E-A947-70E740481C1C}">
-                <a14:useLocalDpi xmlns="" xmlns:a14="http://schemas.microsoft.com/office/drawing/2010/main" val="0"/>
+                <a14:useLocalDpi xmlns:a14="http://schemas.microsoft.com/office/drawing/2010/main" xmlns="" val="0"/>
               </a:ext>
             </a:extLst>
           </a:blip>
@@ -8613,14 +8602,14 @@
           </a:ln>
           <a:extLst>
             <a:ext uri="{909E8E84-426E-40DD-AFC4-6F175D3DCCD1}">
-              <a14:hiddenFill xmlns="" xmlns:a14="http://schemas.microsoft.com/office/drawing/2010/main">
+              <a14:hiddenFill xmlns:a14="http://schemas.microsoft.com/office/drawing/2010/main" xmlns="">
                 <a:solidFill>
                   <a:schemeClr val="accent1"/>
                 </a:solidFill>
               </a14:hiddenFill>
             </a:ext>
             <a:ext uri="{91240B29-F687-4F45-9708-019B960494DF}">
-              <a14:hiddenLine xmlns="" xmlns:a14="http://schemas.microsoft.com/office/drawing/2010/main" w="9525">
+              <a14:hiddenLine xmlns:a14="http://schemas.microsoft.com/office/drawing/2010/main" xmlns="" w="9525">
                 <a:solidFill>
                   <a:schemeClr val="tx1"/>
                 </a:solidFill>
@@ -8723,7 +8712,7 @@
           <a:effectLst/>
           <a:extLst>
             <a:ext uri="{AF507438-7753-43E0-B8FC-AC1667EBCBE1}">
-              <a14:hiddenEffects xmlns="" xmlns:a14="http://schemas.microsoft.com/office/drawing/2010/main">
+              <a14:hiddenEffects xmlns:a14="http://schemas.microsoft.com/office/drawing/2010/main" xmlns="">
                 <a:effectLst>
                   <a:outerShdw dist="35921" dir="2700000" algn="ctr" rotWithShape="0">
                     <a:schemeClr val="bg2"/>
@@ -8771,24 +8760,13 @@
               </a:rPr>
               <a:t>완료</a:t>
             </a:r>
-            <a:endParaRPr kumimoji="0" lang="ko-KR" altLang="en-US" sz="3000" b="1" i="0" u="none" strike="noStrike" cap="none" normalizeH="0" baseline="0" dirty="0" smtClean="0">
-              <a:ln>
-                <a:noFill/>
-              </a:ln>
-              <a:solidFill>
-                <a:schemeClr val="tx1"/>
-              </a:solidFill>
-              <a:effectLst/>
-              <a:latin typeface="HY강B" pitchFamily="18" charset="-127"/>
-              <a:ea typeface="HY강B" pitchFamily="18" charset="-127"/>
-            </a:endParaRPr>
           </a:p>
         </p:txBody>
       </p:sp>
     </p:spTree>
     <p:extLst>
       <p:ext uri="{BB962C8B-B14F-4D97-AF65-F5344CB8AC3E}">
-        <p14:creationId xmlns="" xmlns:p14="http://schemas.microsoft.com/office/powerpoint/2010/main" val="1657809280"/>
+        <p14:creationId xmlns:p14="http://schemas.microsoft.com/office/powerpoint/2010/main" xmlns="" val="1657809280"/>
       </p:ext>
     </p:extLst>
   </p:cSld>
@@ -9053,7 +9031,7 @@
             <a:effectLst/>
             <a:extLst>
               <a:ext uri="{AF507438-7753-43E0-B8FC-AC1667EBCBE1}">
-                <a14:hiddenEffects xmlns="" xmlns:a14="http://schemas.microsoft.com/office/drawing/2010/main">
+                <a14:hiddenEffects xmlns:a14="http://schemas.microsoft.com/office/drawing/2010/main" xmlns="">
                   <a:effectLst>
                     <a:outerShdw dist="35921" dir="2700000" algn="ctr" rotWithShape="0">
                       <a:schemeClr val="bg2"/>
@@ -9093,7 +9071,7 @@
             <a:effectLst/>
             <a:extLst>
               <a:ext uri="{AF507438-7753-43E0-B8FC-AC1667EBCBE1}">
-                <a14:hiddenEffects xmlns="" xmlns:a14="http://schemas.microsoft.com/office/drawing/2010/main">
+                <a14:hiddenEffects xmlns:a14="http://schemas.microsoft.com/office/drawing/2010/main" xmlns="">
                   <a:effectLst>
                     <a:outerShdw dist="35921" dir="2700000" algn="ctr" rotWithShape="0">
                       <a:schemeClr val="bg2"/>
@@ -9133,7 +9111,7 @@
             <a:effectLst/>
             <a:extLst>
               <a:ext uri="{AF507438-7753-43E0-B8FC-AC1667EBCBE1}">
-                <a14:hiddenEffects xmlns="" xmlns:a14="http://schemas.microsoft.com/office/drawing/2010/main">
+                <a14:hiddenEffects xmlns:a14="http://schemas.microsoft.com/office/drawing/2010/main" xmlns="">
                   <a:effectLst>
                     <a:outerShdw dist="35921" dir="2700000" algn="ctr" rotWithShape="0">
                       <a:schemeClr val="bg2"/>
@@ -9176,7 +9154,7 @@
             <a:effectLst/>
             <a:extLst>
               <a:ext uri="{AF507438-7753-43E0-B8FC-AC1667EBCBE1}">
-                <a14:hiddenEffects xmlns="" xmlns:a14="http://schemas.microsoft.com/office/drawing/2010/main">
+                <a14:hiddenEffects xmlns:a14="http://schemas.microsoft.com/office/drawing/2010/main" xmlns="">
                   <a:effectLst>
                     <a:outerShdw dist="35921" dir="2700000" algn="ctr" rotWithShape="0">
                       <a:schemeClr val="bg2"/>
@@ -9227,7 +9205,7 @@
     </p:spTree>
     <p:extLst>
       <p:ext uri="{BB962C8B-B14F-4D97-AF65-F5344CB8AC3E}">
-        <p14:creationId xmlns="" xmlns:p14="http://schemas.microsoft.com/office/powerpoint/2010/main" val="2513676339"/>
+        <p14:creationId xmlns:p14="http://schemas.microsoft.com/office/powerpoint/2010/main" xmlns="" val="2513676339"/>
       </p:ext>
     </p:extLst>
   </p:cSld>
@@ -9492,7 +9470,7 @@
             <a:effectLst/>
             <a:extLst>
               <a:ext uri="{AF507438-7753-43E0-B8FC-AC1667EBCBE1}">
-                <a14:hiddenEffects xmlns="" xmlns:a14="http://schemas.microsoft.com/office/drawing/2010/main">
+                <a14:hiddenEffects xmlns:a14="http://schemas.microsoft.com/office/drawing/2010/main" xmlns="">
                   <a:effectLst>
                     <a:outerShdw dist="35921" dir="2700000" algn="ctr" rotWithShape="0">
                       <a:schemeClr val="bg2"/>
@@ -9532,7 +9510,7 @@
             <a:effectLst/>
             <a:extLst>
               <a:ext uri="{AF507438-7753-43E0-B8FC-AC1667EBCBE1}">
-                <a14:hiddenEffects xmlns="" xmlns:a14="http://schemas.microsoft.com/office/drawing/2010/main">
+                <a14:hiddenEffects xmlns:a14="http://schemas.microsoft.com/office/drawing/2010/main" xmlns="">
                   <a:effectLst>
                     <a:outerShdw dist="35921" dir="2700000" algn="ctr" rotWithShape="0">
                       <a:schemeClr val="bg2"/>
@@ -9572,7 +9550,7 @@
             <a:effectLst/>
             <a:extLst>
               <a:ext uri="{AF507438-7753-43E0-B8FC-AC1667EBCBE1}">
-                <a14:hiddenEffects xmlns="" xmlns:a14="http://schemas.microsoft.com/office/drawing/2010/main">
+                <a14:hiddenEffects xmlns:a14="http://schemas.microsoft.com/office/drawing/2010/main" xmlns="">
                   <a:effectLst>
                     <a:outerShdw dist="35921" dir="2700000" algn="ctr" rotWithShape="0">
                       <a:schemeClr val="bg2"/>
@@ -9615,7 +9593,7 @@
             <a:effectLst/>
             <a:extLst>
               <a:ext uri="{AF507438-7753-43E0-B8FC-AC1667EBCBE1}">
-                <a14:hiddenEffects xmlns="" xmlns:a14="http://schemas.microsoft.com/office/drawing/2010/main">
+                <a14:hiddenEffects xmlns:a14="http://schemas.microsoft.com/office/drawing/2010/main" xmlns="">
                   <a:effectLst>
                     <a:outerShdw dist="35921" dir="2700000" algn="ctr" rotWithShape="0">
                       <a:schemeClr val="bg2"/>
@@ -9974,7 +9952,7 @@
           <a:blip r:embed="rId6" cstate="print">
             <a:extLst>
               <a:ext uri="{28A0092B-C50C-407E-A947-70E740481C1C}">
-                <a14:useLocalDpi xmlns="" xmlns:a14="http://schemas.microsoft.com/office/drawing/2010/main" val="0"/>
+                <a14:useLocalDpi xmlns:a14="http://schemas.microsoft.com/office/drawing/2010/main" xmlns="" val="0"/>
               </a:ext>
             </a:extLst>
           </a:blip>
@@ -9997,14 +9975,14 @@
           </a:ln>
           <a:extLst>
             <a:ext uri="{909E8E84-426E-40DD-AFC4-6F175D3DCCD1}">
-              <a14:hiddenFill xmlns="" xmlns:a14="http://schemas.microsoft.com/office/drawing/2010/main">
+              <a14:hiddenFill xmlns:a14="http://schemas.microsoft.com/office/drawing/2010/main" xmlns="">
                 <a:solidFill>
                   <a:schemeClr val="accent1"/>
                 </a:solidFill>
               </a14:hiddenFill>
             </a:ext>
             <a:ext uri="{91240B29-F687-4F45-9708-019B960494DF}">
-              <a14:hiddenLine xmlns="" xmlns:a14="http://schemas.microsoft.com/office/drawing/2010/main" w="9525">
+              <a14:hiddenLine xmlns:a14="http://schemas.microsoft.com/office/drawing/2010/main" xmlns="" w="9525">
                 <a:solidFill>
                   <a:schemeClr val="tx1"/>
                 </a:solidFill>
@@ -10107,7 +10085,7 @@
           <a:effectLst/>
           <a:extLst>
             <a:ext uri="{AF507438-7753-43E0-B8FC-AC1667EBCBE1}">
-              <a14:hiddenEffects xmlns="" xmlns:a14="http://schemas.microsoft.com/office/drawing/2010/main">
+              <a14:hiddenEffects xmlns:a14="http://schemas.microsoft.com/office/drawing/2010/main" xmlns="">
                 <a:effectLst>
                   <a:outerShdw dist="35921" dir="2700000" algn="ctr" rotWithShape="0">
                     <a:schemeClr val="bg2"/>
@@ -10209,7 +10187,7 @@
     </p:controls>
     <p:extLst>
       <p:ext uri="{BB962C8B-B14F-4D97-AF65-F5344CB8AC3E}">
-        <p14:creationId xmlns="" xmlns:p14="http://schemas.microsoft.com/office/powerpoint/2010/main" val="48954066"/>
+        <p14:creationId xmlns:p14="http://schemas.microsoft.com/office/powerpoint/2010/main" xmlns="" val="48954066"/>
       </p:ext>
     </p:extLst>
   </p:cSld>
@@ -10474,7 +10452,7 @@
             <a:effectLst/>
             <a:extLst>
               <a:ext uri="{AF507438-7753-43E0-B8FC-AC1667EBCBE1}">
-                <a14:hiddenEffects xmlns="" xmlns:a14="http://schemas.microsoft.com/office/drawing/2010/main">
+                <a14:hiddenEffects xmlns:a14="http://schemas.microsoft.com/office/drawing/2010/main" xmlns="">
                   <a:effectLst>
                     <a:outerShdw dist="35921" dir="2700000" algn="ctr" rotWithShape="0">
                       <a:schemeClr val="bg2"/>
@@ -10514,7 +10492,7 @@
             <a:effectLst/>
             <a:extLst>
               <a:ext uri="{AF507438-7753-43E0-B8FC-AC1667EBCBE1}">
-                <a14:hiddenEffects xmlns="" xmlns:a14="http://schemas.microsoft.com/office/drawing/2010/main">
+                <a14:hiddenEffects xmlns:a14="http://schemas.microsoft.com/office/drawing/2010/main" xmlns="">
                   <a:effectLst>
                     <a:outerShdw dist="35921" dir="2700000" algn="ctr" rotWithShape="0">
                       <a:schemeClr val="bg2"/>
@@ -10554,7 +10532,7 @@
             <a:effectLst/>
             <a:extLst>
               <a:ext uri="{AF507438-7753-43E0-B8FC-AC1667EBCBE1}">
-                <a14:hiddenEffects xmlns="" xmlns:a14="http://schemas.microsoft.com/office/drawing/2010/main">
+                <a14:hiddenEffects xmlns:a14="http://schemas.microsoft.com/office/drawing/2010/main" xmlns="">
                   <a:effectLst>
                     <a:outerShdw dist="35921" dir="2700000" algn="ctr" rotWithShape="0">
                       <a:schemeClr val="bg2"/>
@@ -10597,7 +10575,7 @@
             <a:effectLst/>
             <a:extLst>
               <a:ext uri="{AF507438-7753-43E0-B8FC-AC1667EBCBE1}">
-                <a14:hiddenEffects xmlns="" xmlns:a14="http://schemas.microsoft.com/office/drawing/2010/main">
+                <a14:hiddenEffects xmlns:a14="http://schemas.microsoft.com/office/drawing/2010/main" xmlns="">
                   <a:effectLst>
                     <a:outerShdw dist="35921" dir="2700000" algn="ctr" rotWithShape="0">
                       <a:schemeClr val="bg2"/>
@@ -10956,7 +10934,7 @@
           <a:blip r:embed="rId6" cstate="print">
             <a:extLst>
               <a:ext uri="{28A0092B-C50C-407E-A947-70E740481C1C}">
-                <a14:useLocalDpi xmlns="" xmlns:a14="http://schemas.microsoft.com/office/drawing/2010/main" val="0"/>
+                <a14:useLocalDpi xmlns:a14="http://schemas.microsoft.com/office/drawing/2010/main" xmlns="" val="0"/>
               </a:ext>
             </a:extLst>
           </a:blip>
@@ -10979,14 +10957,14 @@
           </a:ln>
           <a:extLst>
             <a:ext uri="{909E8E84-426E-40DD-AFC4-6F175D3DCCD1}">
-              <a14:hiddenFill xmlns="" xmlns:a14="http://schemas.microsoft.com/office/drawing/2010/main">
+              <a14:hiddenFill xmlns:a14="http://schemas.microsoft.com/office/drawing/2010/main" xmlns="">
                 <a:solidFill>
                   <a:schemeClr val="accent1"/>
                 </a:solidFill>
               </a14:hiddenFill>
             </a:ext>
             <a:ext uri="{91240B29-F687-4F45-9708-019B960494DF}">
-              <a14:hiddenLine xmlns="" xmlns:a14="http://schemas.microsoft.com/office/drawing/2010/main" w="9525">
+              <a14:hiddenLine xmlns:a14="http://schemas.microsoft.com/office/drawing/2010/main" xmlns="" w="9525">
                 <a:solidFill>
                   <a:schemeClr val="tx1"/>
                 </a:solidFill>
@@ -11089,7 +11067,7 @@
           <a:effectLst/>
           <a:extLst>
             <a:ext uri="{AF507438-7753-43E0-B8FC-AC1667EBCBE1}">
-              <a14:hiddenEffects xmlns="" xmlns:a14="http://schemas.microsoft.com/office/drawing/2010/main">
+              <a14:hiddenEffects xmlns:a14="http://schemas.microsoft.com/office/drawing/2010/main" xmlns="">
                 <a:effectLst>
                   <a:outerShdw dist="35921" dir="2700000" algn="ctr" rotWithShape="0">
                     <a:schemeClr val="bg2"/>
@@ -11137,17 +11115,6 @@
               </a:rPr>
               <a:t>완료</a:t>
             </a:r>
-            <a:endParaRPr kumimoji="0" lang="ko-KR" altLang="en-US" sz="3000" b="1" i="0" u="none" strike="noStrike" cap="none" normalizeH="0" baseline="0" dirty="0" smtClean="0">
-              <a:ln>
-                <a:noFill/>
-              </a:ln>
-              <a:solidFill>
-                <a:schemeClr val="tx1"/>
-              </a:solidFill>
-              <a:effectLst/>
-              <a:latin typeface="HY강B" pitchFamily="18" charset="-127"/>
-              <a:ea typeface="HY강B" pitchFamily="18" charset="-127"/>
-            </a:endParaRPr>
           </a:p>
         </p:txBody>
       </p:sp>
@@ -11159,7 +11126,7 @@
     </p:controls>
     <p:extLst>
       <p:ext uri="{BB962C8B-B14F-4D97-AF65-F5344CB8AC3E}">
-        <p14:creationId xmlns="" xmlns:p14="http://schemas.microsoft.com/office/powerpoint/2010/main" val="2910947471"/>
+        <p14:creationId xmlns:p14="http://schemas.microsoft.com/office/powerpoint/2010/main" xmlns="" val="2910947471"/>
       </p:ext>
     </p:extLst>
   </p:cSld>
@@ -11424,7 +11391,7 @@
             <a:effectLst/>
             <a:extLst>
               <a:ext uri="{AF507438-7753-43E0-B8FC-AC1667EBCBE1}">
-                <a14:hiddenEffects xmlns="" xmlns:a14="http://schemas.microsoft.com/office/drawing/2010/main">
+                <a14:hiddenEffects xmlns:a14="http://schemas.microsoft.com/office/drawing/2010/main" xmlns="">
                   <a:effectLst>
                     <a:outerShdw dist="35921" dir="2700000" algn="ctr" rotWithShape="0">
                       <a:schemeClr val="bg2"/>
@@ -11464,7 +11431,7 @@
             <a:effectLst/>
             <a:extLst>
               <a:ext uri="{AF507438-7753-43E0-B8FC-AC1667EBCBE1}">
-                <a14:hiddenEffects xmlns="" xmlns:a14="http://schemas.microsoft.com/office/drawing/2010/main">
+                <a14:hiddenEffects xmlns:a14="http://schemas.microsoft.com/office/drawing/2010/main" xmlns="">
                   <a:effectLst>
                     <a:outerShdw dist="35921" dir="2700000" algn="ctr" rotWithShape="0">
                       <a:schemeClr val="bg2"/>
@@ -11504,7 +11471,7 @@
             <a:effectLst/>
             <a:extLst>
               <a:ext uri="{AF507438-7753-43E0-B8FC-AC1667EBCBE1}">
-                <a14:hiddenEffects xmlns="" xmlns:a14="http://schemas.microsoft.com/office/drawing/2010/main">
+                <a14:hiddenEffects xmlns:a14="http://schemas.microsoft.com/office/drawing/2010/main" xmlns="">
                   <a:effectLst>
                     <a:outerShdw dist="35921" dir="2700000" algn="ctr" rotWithShape="0">
                       <a:schemeClr val="bg2"/>
@@ -11547,7 +11514,7 @@
             <a:effectLst/>
             <a:extLst>
               <a:ext uri="{AF507438-7753-43E0-B8FC-AC1667EBCBE1}">
-                <a14:hiddenEffects xmlns="" xmlns:a14="http://schemas.microsoft.com/office/drawing/2010/main">
+                <a14:hiddenEffects xmlns:a14="http://schemas.microsoft.com/office/drawing/2010/main" xmlns="">
                   <a:effectLst>
                     <a:outerShdw dist="35921" dir="2700000" algn="ctr" rotWithShape="0">
                       <a:schemeClr val="bg2"/>
@@ -11950,7 +11917,7 @@
           <a:blip r:embed="rId6" cstate="print">
             <a:extLst>
               <a:ext uri="{28A0092B-C50C-407E-A947-70E740481C1C}">
-                <a14:useLocalDpi xmlns="" xmlns:a14="http://schemas.microsoft.com/office/drawing/2010/main" val="0"/>
+                <a14:useLocalDpi xmlns:a14="http://schemas.microsoft.com/office/drawing/2010/main" xmlns="" val="0"/>
               </a:ext>
             </a:extLst>
           </a:blip>
@@ -11973,14 +11940,14 @@
           </a:ln>
           <a:extLst>
             <a:ext uri="{909E8E84-426E-40DD-AFC4-6F175D3DCCD1}">
-              <a14:hiddenFill xmlns="" xmlns:a14="http://schemas.microsoft.com/office/drawing/2010/main">
+              <a14:hiddenFill xmlns:a14="http://schemas.microsoft.com/office/drawing/2010/main" xmlns="">
                 <a:solidFill>
                   <a:schemeClr val="accent1"/>
                 </a:solidFill>
               </a14:hiddenFill>
             </a:ext>
             <a:ext uri="{91240B29-F687-4F45-9708-019B960494DF}">
-              <a14:hiddenLine xmlns="" xmlns:a14="http://schemas.microsoft.com/office/drawing/2010/main" w="9525">
+              <a14:hiddenLine xmlns:a14="http://schemas.microsoft.com/office/drawing/2010/main" xmlns="" w="9525">
                 <a:solidFill>
                   <a:schemeClr val="tx1"/>
                 </a:solidFill>
@@ -12275,7 +12242,7 @@
           <a:effectLst/>
           <a:extLst>
             <a:ext uri="{AF507438-7753-43E0-B8FC-AC1667EBCBE1}">
-              <a14:hiddenEffects xmlns="" xmlns:a14="http://schemas.microsoft.com/office/drawing/2010/main">
+              <a14:hiddenEffects xmlns:a14="http://schemas.microsoft.com/office/drawing/2010/main" xmlns="">
                 <a:effectLst>
                   <a:outerShdw dist="35921" dir="2700000" algn="ctr" rotWithShape="0">
                     <a:schemeClr val="bg2"/>
@@ -12395,7 +12362,7 @@
     </p:controls>
     <p:extLst>
       <p:ext uri="{BB962C8B-B14F-4D97-AF65-F5344CB8AC3E}">
-        <p14:creationId xmlns="" xmlns:p14="http://schemas.microsoft.com/office/powerpoint/2010/main" val="1483229142"/>
+        <p14:creationId xmlns:p14="http://schemas.microsoft.com/office/powerpoint/2010/main" xmlns="" val="1483229142"/>
       </p:ext>
     </p:extLst>
   </p:cSld>
@@ -12660,7 +12627,7 @@
             <a:effectLst/>
             <a:extLst>
               <a:ext uri="{AF507438-7753-43E0-B8FC-AC1667EBCBE1}">
-                <a14:hiddenEffects xmlns="" xmlns:a14="http://schemas.microsoft.com/office/drawing/2010/main">
+                <a14:hiddenEffects xmlns:a14="http://schemas.microsoft.com/office/drawing/2010/main" xmlns="">
                   <a:effectLst>
                     <a:outerShdw dist="35921" dir="2700000" algn="ctr" rotWithShape="0">
                       <a:schemeClr val="bg2"/>
@@ -12700,7 +12667,7 @@
             <a:effectLst/>
             <a:extLst>
               <a:ext uri="{AF507438-7753-43E0-B8FC-AC1667EBCBE1}">
-                <a14:hiddenEffects xmlns="" xmlns:a14="http://schemas.microsoft.com/office/drawing/2010/main">
+                <a14:hiddenEffects xmlns:a14="http://schemas.microsoft.com/office/drawing/2010/main" xmlns="">
                   <a:effectLst>
                     <a:outerShdw dist="35921" dir="2700000" algn="ctr" rotWithShape="0">
                       <a:schemeClr val="bg2"/>
@@ -12740,7 +12707,7 @@
             <a:effectLst/>
             <a:extLst>
               <a:ext uri="{AF507438-7753-43E0-B8FC-AC1667EBCBE1}">
-                <a14:hiddenEffects xmlns="" xmlns:a14="http://schemas.microsoft.com/office/drawing/2010/main">
+                <a14:hiddenEffects xmlns:a14="http://schemas.microsoft.com/office/drawing/2010/main" xmlns="">
                   <a:effectLst>
                     <a:outerShdw dist="35921" dir="2700000" algn="ctr" rotWithShape="0">
                       <a:schemeClr val="bg2"/>
@@ -12783,7 +12750,7 @@
             <a:effectLst/>
             <a:extLst>
               <a:ext uri="{AF507438-7753-43E0-B8FC-AC1667EBCBE1}">
-                <a14:hiddenEffects xmlns="" xmlns:a14="http://schemas.microsoft.com/office/drawing/2010/main">
+                <a14:hiddenEffects xmlns:a14="http://schemas.microsoft.com/office/drawing/2010/main" xmlns="">
                   <a:effectLst>
                     <a:outerShdw dist="35921" dir="2700000" algn="ctr" rotWithShape="0">
                       <a:schemeClr val="bg2"/>
@@ -13241,7 +13208,7 @@
           <a:blip r:embed="rId6" cstate="print">
             <a:extLst>
               <a:ext uri="{28A0092B-C50C-407E-A947-70E740481C1C}">
-                <a14:useLocalDpi xmlns="" xmlns:a14="http://schemas.microsoft.com/office/drawing/2010/main" val="0"/>
+                <a14:useLocalDpi xmlns:a14="http://schemas.microsoft.com/office/drawing/2010/main" xmlns="" val="0"/>
               </a:ext>
             </a:extLst>
           </a:blip>
@@ -13264,14 +13231,14 @@
           </a:ln>
           <a:extLst>
             <a:ext uri="{909E8E84-426E-40DD-AFC4-6F175D3DCCD1}">
-              <a14:hiddenFill xmlns="" xmlns:a14="http://schemas.microsoft.com/office/drawing/2010/main">
+              <a14:hiddenFill xmlns:a14="http://schemas.microsoft.com/office/drawing/2010/main" xmlns="">
                 <a:solidFill>
                   <a:schemeClr val="accent1"/>
                 </a:solidFill>
               </a14:hiddenFill>
             </a:ext>
             <a:ext uri="{91240B29-F687-4F45-9708-019B960494DF}">
-              <a14:hiddenLine xmlns="" xmlns:a14="http://schemas.microsoft.com/office/drawing/2010/main" w="9525">
+              <a14:hiddenLine xmlns:a14="http://schemas.microsoft.com/office/drawing/2010/main" xmlns="" w="9525">
                 <a:solidFill>
                   <a:schemeClr val="tx1"/>
                 </a:solidFill>
@@ -13295,7 +13262,7 @@
           <a:blip r:embed="rId7" cstate="print">
             <a:extLst>
               <a:ext uri="{28A0092B-C50C-407E-A947-70E740481C1C}">
-                <a14:useLocalDpi xmlns="" xmlns:a14="http://schemas.microsoft.com/office/drawing/2010/main" val="0"/>
+                <a14:useLocalDpi xmlns:a14="http://schemas.microsoft.com/office/drawing/2010/main" xmlns="" val="0"/>
               </a:ext>
             </a:extLst>
           </a:blip>
@@ -13318,14 +13285,14 @@
           </a:ln>
           <a:extLst>
             <a:ext uri="{909E8E84-426E-40DD-AFC4-6F175D3DCCD1}">
-              <a14:hiddenFill xmlns="" xmlns:a14="http://schemas.microsoft.com/office/drawing/2010/main">
+              <a14:hiddenFill xmlns:a14="http://schemas.microsoft.com/office/drawing/2010/main" xmlns="">
                 <a:solidFill>
                   <a:schemeClr val="accent1"/>
                 </a:solidFill>
               </a14:hiddenFill>
             </a:ext>
             <a:ext uri="{91240B29-F687-4F45-9708-019B960494DF}">
-              <a14:hiddenLine xmlns="" xmlns:a14="http://schemas.microsoft.com/office/drawing/2010/main" w="9525">
+              <a14:hiddenLine xmlns:a14="http://schemas.microsoft.com/office/drawing/2010/main" xmlns="" w="9525">
                 <a:solidFill>
                   <a:schemeClr val="tx1"/>
                 </a:solidFill>
@@ -13531,7 +13498,7 @@
       </p:sp>
       <p:sp>
         <p:nvSpPr>
-          <p:cNvPr id="22" name="모서리가 둥근 직사각형 21"/>
+          <p:cNvPr id="23" name="모서리가 둥근 직사각형 22"/>
           <p:cNvSpPr/>
           <p:nvPr/>
         </p:nvSpPr>
@@ -13544,7 +13511,7 @@
             <a:avLst/>
           </a:prstGeom>
           <a:solidFill>
-            <a:srgbClr val="FF6633"/>
+            <a:srgbClr val="009999"/>
           </a:solidFill>
           <a:ln w="9525" cap="flat" cmpd="sng" algn="ctr">
             <a:noFill/>
@@ -13556,7 +13523,7 @@
           <a:effectLst/>
           <a:extLst>
             <a:ext uri="{AF507438-7753-43E0-B8FC-AC1667EBCBE1}">
-              <a14:hiddenEffects xmlns="" xmlns:a14="http://schemas.microsoft.com/office/drawing/2010/main">
+              <a14:hiddenEffects xmlns:a14="http://schemas.microsoft.com/office/drawing/2010/main" xmlns="">
                 <a:effectLst>
                   <a:outerShdw dist="35921" dir="2700000" algn="ctr" rotWithShape="0">
                     <a:schemeClr val="bg2"/>
@@ -13591,30 +13558,19 @@
               <a:tabLst/>
             </a:pPr>
             <a:r>
-              <a:rPr lang="ko-KR" altLang="en-US" sz="3000" b="1" dirty="0" err="1" smtClean="0">
+              <a:rPr kumimoji="0" lang="ko-KR" altLang="en-US" sz="3000" b="1" i="0" u="none" strike="noStrike" cap="none" normalizeH="0" baseline="0" dirty="0" smtClean="0">
+                <a:ln>
+                  <a:noFill/>
+                </a:ln>
+                <a:solidFill>
+                  <a:schemeClr val="tx1"/>
+                </a:solidFill>
+                <a:effectLst/>
                 <a:latin typeface="HY강B" pitchFamily="18" charset="-127"/>
                 <a:ea typeface="HY강B" pitchFamily="18" charset="-127"/>
               </a:rPr>
-              <a:t>진행중</a:t>
-            </a:r>
-            <a:r>
-              <a:rPr lang="en-US" altLang="ko-KR" sz="3000" b="1" dirty="0" smtClean="0">
-                <a:latin typeface="HY강B" pitchFamily="18" charset="-127"/>
-                <a:ea typeface="HY강B" pitchFamily="18" charset="-127"/>
-              </a:rPr>
-              <a:t>…</a:t>
-            </a:r>
-            <a:endParaRPr kumimoji="0" lang="ko-KR" altLang="en-US" sz="3000" b="1" i="0" u="none" strike="noStrike" cap="none" normalizeH="0" baseline="0" dirty="0" smtClean="0">
-              <a:ln>
-                <a:noFill/>
-              </a:ln>
-              <a:solidFill>
-                <a:schemeClr val="tx1"/>
-              </a:solidFill>
-              <a:effectLst/>
-              <a:latin typeface="HY강B" pitchFamily="18" charset="-127"/>
-              <a:ea typeface="HY강B" pitchFamily="18" charset="-127"/>
-            </a:endParaRPr>
+              <a:t>완료</a:t>
+            </a:r>
           </a:p>
         </p:txBody>
       </p:sp>
@@ -13626,7 +13582,7 @@
     </p:controls>
     <p:extLst>
       <p:ext uri="{BB962C8B-B14F-4D97-AF65-F5344CB8AC3E}">
-        <p14:creationId xmlns="" xmlns:p14="http://schemas.microsoft.com/office/powerpoint/2010/main" val="3311017335"/>
+        <p14:creationId xmlns:p14="http://schemas.microsoft.com/office/powerpoint/2010/main" xmlns="" val="3311017335"/>
       </p:ext>
     </p:extLst>
   </p:cSld>
@@ -13891,7 +13847,7 @@
             <a:effectLst/>
             <a:extLst>
               <a:ext uri="{AF507438-7753-43E0-B8FC-AC1667EBCBE1}">
-                <a14:hiddenEffects xmlns="" xmlns:a14="http://schemas.microsoft.com/office/drawing/2010/main">
+                <a14:hiddenEffects xmlns:a14="http://schemas.microsoft.com/office/drawing/2010/main" xmlns="">
                   <a:effectLst>
                     <a:outerShdw dist="35921" dir="2700000" algn="ctr" rotWithShape="0">
                       <a:schemeClr val="bg2"/>
@@ -13931,7 +13887,7 @@
             <a:effectLst/>
             <a:extLst>
               <a:ext uri="{AF507438-7753-43E0-B8FC-AC1667EBCBE1}">
-                <a14:hiddenEffects xmlns="" xmlns:a14="http://schemas.microsoft.com/office/drawing/2010/main">
+                <a14:hiddenEffects xmlns:a14="http://schemas.microsoft.com/office/drawing/2010/main" xmlns="">
                   <a:effectLst>
                     <a:outerShdw dist="35921" dir="2700000" algn="ctr" rotWithShape="0">
                       <a:schemeClr val="bg2"/>
@@ -13971,7 +13927,7 @@
             <a:effectLst/>
             <a:extLst>
               <a:ext uri="{AF507438-7753-43E0-B8FC-AC1667EBCBE1}">
-                <a14:hiddenEffects xmlns="" xmlns:a14="http://schemas.microsoft.com/office/drawing/2010/main">
+                <a14:hiddenEffects xmlns:a14="http://schemas.microsoft.com/office/drawing/2010/main" xmlns="">
                   <a:effectLst>
                     <a:outerShdw dist="35921" dir="2700000" algn="ctr" rotWithShape="0">
                       <a:schemeClr val="bg2"/>
@@ -14014,7 +13970,7 @@
             <a:effectLst/>
             <a:extLst>
               <a:ext uri="{AF507438-7753-43E0-B8FC-AC1667EBCBE1}">
-                <a14:hiddenEffects xmlns="" xmlns:a14="http://schemas.microsoft.com/office/drawing/2010/main">
+                <a14:hiddenEffects xmlns:a14="http://schemas.microsoft.com/office/drawing/2010/main" xmlns="">
                   <a:effectLst>
                     <a:outerShdw dist="35921" dir="2700000" algn="ctr" rotWithShape="0">
                       <a:schemeClr val="bg2"/>
@@ -14351,7 +14307,7 @@
           <a:blip r:embed="rId6" cstate="print">
             <a:extLst>
               <a:ext uri="{28A0092B-C50C-407E-A947-70E740481C1C}">
-                <a14:useLocalDpi xmlns="" xmlns:a14="http://schemas.microsoft.com/office/drawing/2010/main" val="0"/>
+                <a14:useLocalDpi xmlns:a14="http://schemas.microsoft.com/office/drawing/2010/main" xmlns="" val="0"/>
               </a:ext>
             </a:extLst>
           </a:blip>
@@ -14374,14 +14330,14 @@
           </a:ln>
           <a:extLst>
             <a:ext uri="{909E8E84-426E-40DD-AFC4-6F175D3DCCD1}">
-              <a14:hiddenFill xmlns="" xmlns:a14="http://schemas.microsoft.com/office/drawing/2010/main">
+              <a14:hiddenFill xmlns:a14="http://schemas.microsoft.com/office/drawing/2010/main" xmlns="">
                 <a:solidFill>
                   <a:schemeClr val="accent1"/>
                 </a:solidFill>
               </a14:hiddenFill>
             </a:ext>
             <a:ext uri="{91240B29-F687-4F45-9708-019B960494DF}">
-              <a14:hiddenLine xmlns="" xmlns:a14="http://schemas.microsoft.com/office/drawing/2010/main" w="9525">
+              <a14:hiddenLine xmlns:a14="http://schemas.microsoft.com/office/drawing/2010/main" xmlns="" w="9525">
                 <a:solidFill>
                   <a:schemeClr val="tx1"/>
                 </a:solidFill>
@@ -14484,7 +14440,7 @@
           <a:effectLst/>
           <a:extLst>
             <a:ext uri="{AF507438-7753-43E0-B8FC-AC1667EBCBE1}">
-              <a14:hiddenEffects xmlns="" xmlns:a14="http://schemas.microsoft.com/office/drawing/2010/main">
+              <a14:hiddenEffects xmlns:a14="http://schemas.microsoft.com/office/drawing/2010/main" xmlns="">
                 <a:effectLst>
                   <a:outerShdw dist="35921" dir="2700000" algn="ctr" rotWithShape="0">
                     <a:schemeClr val="bg2"/>
@@ -14532,17 +14488,6 @@
               </a:rPr>
               <a:t>완료</a:t>
             </a:r>
-            <a:endParaRPr kumimoji="0" lang="ko-KR" altLang="en-US" sz="3000" b="1" i="0" u="none" strike="noStrike" cap="none" normalizeH="0" baseline="0" dirty="0" smtClean="0">
-              <a:ln>
-                <a:noFill/>
-              </a:ln>
-              <a:solidFill>
-                <a:schemeClr val="tx1"/>
-              </a:solidFill>
-              <a:effectLst/>
-              <a:latin typeface="HY강B" pitchFamily="18" charset="-127"/>
-              <a:ea typeface="HY강B" pitchFamily="18" charset="-127"/>
-            </a:endParaRPr>
           </a:p>
         </p:txBody>
       </p:sp>
@@ -14554,7 +14499,7 @@
     </p:controls>
     <p:extLst>
       <p:ext uri="{BB962C8B-B14F-4D97-AF65-F5344CB8AC3E}">
-        <p14:creationId xmlns="" xmlns:p14="http://schemas.microsoft.com/office/powerpoint/2010/main" val="1372378798"/>
+        <p14:creationId xmlns:p14="http://schemas.microsoft.com/office/powerpoint/2010/main" xmlns="" val="1372378798"/>
       </p:ext>
     </p:extLst>
   </p:cSld>
@@ -14819,7 +14764,7 @@
             <a:effectLst/>
             <a:extLst>
               <a:ext uri="{AF507438-7753-43E0-B8FC-AC1667EBCBE1}">
-                <a14:hiddenEffects xmlns="" xmlns:a14="http://schemas.microsoft.com/office/drawing/2010/main">
+                <a14:hiddenEffects xmlns:a14="http://schemas.microsoft.com/office/drawing/2010/main" xmlns="">
                   <a:effectLst>
                     <a:outerShdw dist="35921" dir="2700000" algn="ctr" rotWithShape="0">
                       <a:schemeClr val="bg2"/>
@@ -14859,7 +14804,7 @@
             <a:effectLst/>
             <a:extLst>
               <a:ext uri="{AF507438-7753-43E0-B8FC-AC1667EBCBE1}">
-                <a14:hiddenEffects xmlns="" xmlns:a14="http://schemas.microsoft.com/office/drawing/2010/main">
+                <a14:hiddenEffects xmlns:a14="http://schemas.microsoft.com/office/drawing/2010/main" xmlns="">
                   <a:effectLst>
                     <a:outerShdw dist="35921" dir="2700000" algn="ctr" rotWithShape="0">
                       <a:schemeClr val="bg2"/>
@@ -14899,7 +14844,7 @@
             <a:effectLst/>
             <a:extLst>
               <a:ext uri="{AF507438-7753-43E0-B8FC-AC1667EBCBE1}">
-                <a14:hiddenEffects xmlns="" xmlns:a14="http://schemas.microsoft.com/office/drawing/2010/main">
+                <a14:hiddenEffects xmlns:a14="http://schemas.microsoft.com/office/drawing/2010/main" xmlns="">
                   <a:effectLst>
                     <a:outerShdw dist="35921" dir="2700000" algn="ctr" rotWithShape="0">
                       <a:schemeClr val="bg2"/>
@@ -14942,7 +14887,7 @@
             <a:effectLst/>
             <a:extLst>
               <a:ext uri="{AF507438-7753-43E0-B8FC-AC1667EBCBE1}">
-                <a14:hiddenEffects xmlns="" xmlns:a14="http://schemas.microsoft.com/office/drawing/2010/main">
+                <a14:hiddenEffects xmlns:a14="http://schemas.microsoft.com/office/drawing/2010/main" xmlns="">
                   <a:effectLst>
                     <a:outerShdw dist="35921" dir="2700000" algn="ctr" rotWithShape="0">
                       <a:schemeClr val="bg2"/>
@@ -15279,7 +15224,7 @@
           <a:blip r:embed="rId6" cstate="print">
             <a:extLst>
               <a:ext uri="{28A0092B-C50C-407E-A947-70E740481C1C}">
-                <a14:useLocalDpi xmlns="" xmlns:a14="http://schemas.microsoft.com/office/drawing/2010/main" val="0"/>
+                <a14:useLocalDpi xmlns:a14="http://schemas.microsoft.com/office/drawing/2010/main" xmlns="" val="0"/>
               </a:ext>
             </a:extLst>
           </a:blip>
@@ -15302,14 +15247,14 @@
           </a:ln>
           <a:extLst>
             <a:ext uri="{909E8E84-426E-40DD-AFC4-6F175D3DCCD1}">
-              <a14:hiddenFill xmlns="" xmlns:a14="http://schemas.microsoft.com/office/drawing/2010/main">
+              <a14:hiddenFill xmlns:a14="http://schemas.microsoft.com/office/drawing/2010/main" xmlns="">
                 <a:solidFill>
                   <a:schemeClr val="accent1"/>
                 </a:solidFill>
               </a14:hiddenFill>
             </a:ext>
             <a:ext uri="{91240B29-F687-4F45-9708-019B960494DF}">
-              <a14:hiddenLine xmlns="" xmlns:a14="http://schemas.microsoft.com/office/drawing/2010/main" w="9525">
+              <a14:hiddenLine xmlns:a14="http://schemas.microsoft.com/office/drawing/2010/main" xmlns="" w="9525">
                 <a:solidFill>
                   <a:schemeClr val="tx1"/>
                 </a:solidFill>
@@ -15448,7 +15393,7 @@
           <a:effectLst/>
           <a:extLst>
             <a:ext uri="{AF507438-7753-43E0-B8FC-AC1667EBCBE1}">
-              <a14:hiddenEffects xmlns="" xmlns:a14="http://schemas.microsoft.com/office/drawing/2010/main">
+              <a14:hiddenEffects xmlns:a14="http://schemas.microsoft.com/office/drawing/2010/main" xmlns="">
                 <a:effectLst>
                   <a:outerShdw dist="35921" dir="2700000" algn="ctr" rotWithShape="0">
                     <a:schemeClr val="bg2"/>
@@ -15496,17 +15441,6 @@
               </a:rPr>
               <a:t>완료</a:t>
             </a:r>
-            <a:endParaRPr kumimoji="0" lang="ko-KR" altLang="en-US" sz="3000" b="1" i="0" u="none" strike="noStrike" cap="none" normalizeH="0" baseline="0" dirty="0" smtClean="0">
-              <a:ln>
-                <a:noFill/>
-              </a:ln>
-              <a:solidFill>
-                <a:schemeClr val="tx1"/>
-              </a:solidFill>
-              <a:effectLst/>
-              <a:latin typeface="HY강B" pitchFamily="18" charset="-127"/>
-              <a:ea typeface="HY강B" pitchFamily="18" charset="-127"/>
-            </a:endParaRPr>
           </a:p>
         </p:txBody>
       </p:sp>
@@ -15518,7 +15452,7 @@
     </p:controls>
     <p:extLst>
       <p:ext uri="{BB962C8B-B14F-4D97-AF65-F5344CB8AC3E}">
-        <p14:creationId xmlns="" xmlns:p14="http://schemas.microsoft.com/office/powerpoint/2010/main" val="4035113899"/>
+        <p14:creationId xmlns:p14="http://schemas.microsoft.com/office/powerpoint/2010/main" xmlns="" val="4035113899"/>
       </p:ext>
     </p:extLst>
   </p:cSld>
@@ -15788,7 +15722,7 @@
         <a:effectLst/>
         <a:extLst>
           <a:ext uri="{AF507438-7753-43E0-B8FC-AC1667EBCBE1}">
-            <a14:hiddenEffects xmlns="" xmlns:a14="http://schemas.microsoft.com/office/drawing/2010/main">
+            <a14:hiddenEffects xmlns:a14="http://schemas.microsoft.com/office/drawing/2010/main" xmlns="">
               <a:effectLst>
                 <a:outerShdw dist="35921" dir="2700000" algn="ctr" rotWithShape="0">
                   <a:schemeClr val="bg2"/>
@@ -15861,7 +15795,7 @@
         <a:effectLst/>
         <a:extLst>
           <a:ext uri="{AF507438-7753-43E0-B8FC-AC1667EBCBE1}">
-            <a14:hiddenEffects xmlns="" xmlns:a14="http://schemas.microsoft.com/office/drawing/2010/main">
+            <a14:hiddenEffects xmlns:a14="http://schemas.microsoft.com/office/drawing/2010/main" xmlns="">
               <a:effectLst>
                 <a:outerShdw dist="35921" dir="2700000" algn="ctr" rotWithShape="0">
                   <a:schemeClr val="bg2"/>
